--- a/5. DevOps/Day 36/Slides/5. Applying Advanced WebDriver Techniques/applying-advanced-webdriver-techniques-slides.pptx
+++ b/5. DevOps/Day 36/Slides/5. Applying Advanced WebDriver Techniques/applying-advanced-webdriver-techniques-slides.pptx
@@ -5,7 +5,7 @@
     <p:sldMasterId id="2147483648" r:id="rId1"/>
   </p:sldMasterIdLst>
   <p:notesMasterIdLst>
-    <p:notesMasterId r:id="rId10"/>
+    <p:notesMasterId r:id="rId11"/>
   </p:notesMasterIdLst>
   <p:sldIdLst>
     <p:sldId id="256" r:id="rId3"/>
@@ -14,7 +14,8 @@
     <p:sldId id="259" r:id="rId6"/>
     <p:sldId id="260" r:id="rId7"/>
     <p:sldId id="261" r:id="rId8"/>
-    <p:sldId id="262" r:id="rId9"/>
+    <p:sldId id="263" r:id="rId9"/>
+    <p:sldId id="262" r:id="rId10"/>
   </p:sldIdLst>
   <p:sldSz cx="16256000" cy="9144000"/>
   <p:notesSz cx="16256000" cy="9144000"/>
@@ -2521,6 +2522,127 @@
 </file>
 
 <file path=ppt/slides/slide7.xml><?xml version="1.0" encoding="utf-8"?>
+<p:sld xmlns:a="http://schemas.openxmlformats.org/drawingml/2006/main" xmlns:r="http://schemas.openxmlformats.org/officeDocument/2006/relationships" xmlns:p="http://schemas.openxmlformats.org/presentationml/2006/main">
+  <p:cSld>
+    <p:spTree>
+      <p:nvGrpSpPr>
+        <p:cNvPr id="1" name=""/>
+        <p:cNvGrpSpPr/>
+        <p:nvPr/>
+      </p:nvGrpSpPr>
+      <p:grpSpPr/>
+      <p:sp>
+        <p:nvSpPr>
+          <p:cNvPr id="10" name="Title 9"/>
+          <p:cNvSpPr>
+            <a:spLocks noGrp="1"/>
+          </p:cNvSpPr>
+          <p:nvPr>
+            <p:ph type="title"/>
+          </p:nvPr>
+        </p:nvSpPr>
+        <p:spPr>
+          <a:xfrm>
+            <a:off x="1574800" y="609600"/>
+            <a:ext cx="13623925" cy="738505"/>
+          </a:xfrm>
+        </p:spPr>
+        <p:txBody>
+          <a:bodyPr wrap="square"/>
+          <a:p>
+            <a:pPr algn="ctr"/>
+            <a:r>
+              <a:rPr lang="en-US"/>
+              <a:t> File Uploads with Auto IT</a:t>
+            </a:r>
+            <a:endParaRPr lang="en-US"/>
+          </a:p>
+        </p:txBody>
+      </p:sp>
+      <p:sp>
+        <p:nvSpPr>
+          <p:cNvPr id="4" name="Slide Number Placeholder 3"/>
+          <p:cNvSpPr>
+            <a:spLocks noGrp="1"/>
+          </p:cNvSpPr>
+          <p:nvPr>
+            <p:ph type="sldNum" sz="quarter" idx="7"/>
+          </p:nvPr>
+        </p:nvSpPr>
+        <p:spPr/>
+        <p:txBody>
+          <a:bodyPr/>
+          <a:p>
+            <a:fld id="{B6F15528-21DE-4FAA-801E-634DDDAF4B2B}" type="slidenum">
+              <a:rPr/>
+            </a:fld>
+            <a:endParaRPr/>
+          </a:p>
+        </p:txBody>
+      </p:sp>
+      <p:pic>
+        <p:nvPicPr>
+          <p:cNvPr id="100" name="Content Placeholder 99"/>
+          <p:cNvPicPr/>
+          <p:nvPr>
+            <p:ph sz="half" idx="2"/>
+          </p:nvPr>
+        </p:nvPicPr>
+        <p:blipFill>
+          <a:blip r:embed="rId1" r:link="rId2"/>
+          <a:stretch>
+            <a:fillRect/>
+          </a:stretch>
+        </p:blipFill>
+        <p:spPr>
+          <a:xfrm>
+            <a:off x="812800" y="2103120"/>
+            <a:ext cx="7071360" cy="6035040"/>
+          </a:xfrm>
+          <a:prstGeom prst="rect">
+            <a:avLst/>
+          </a:prstGeom>
+          <a:noFill/>
+          <a:ln w="9525">
+            <a:noFill/>
+          </a:ln>
+        </p:spPr>
+      </p:pic>
+      <p:pic>
+        <p:nvPicPr>
+          <p:cNvPr id="102" name="Picture 101"/>
+          <p:cNvPicPr/>
+          <p:nvPr/>
+        </p:nvPicPr>
+        <p:blipFill>
+          <a:blip r:embed="rId3"/>
+          <a:stretch>
+            <a:fillRect/>
+          </a:stretch>
+        </p:blipFill>
+        <p:spPr>
+          <a:xfrm>
+            <a:off x="2641600" y="2209800"/>
+            <a:ext cx="12319000" cy="5578475"/>
+          </a:xfrm>
+          <a:prstGeom prst="rect">
+            <a:avLst/>
+          </a:prstGeom>
+          <a:noFill/>
+          <a:ln w="9525">
+            <a:noFill/>
+          </a:ln>
+        </p:spPr>
+      </p:pic>
+    </p:spTree>
+  </p:cSld>
+  <p:clrMapOvr>
+    <a:masterClrMapping/>
+  </p:clrMapOvr>
+</p:sld>
+</file>
+
+<file path=ppt/slides/slide8.xml><?xml version="1.0" encoding="utf-8"?>
 <p:sld xmlns:a="http://schemas.openxmlformats.org/drawingml/2006/main" xmlns:r="http://schemas.openxmlformats.org/officeDocument/2006/relationships" xmlns:p="http://schemas.openxmlformats.org/presentationml/2006/main" showMasterSp="0">
   <p:cSld>
     <p:spTree>
@@ -2607,18 +2729,14 @@
       </p:sp>
       <p:sp>
         <p:nvSpPr>
-          <p:cNvPr id="4" name="object 4"/>
-          <p:cNvSpPr txBox="1">
-            <a:spLocks noGrp="1"/>
-          </p:cNvSpPr>
-          <p:nvPr>
-            <p:ph type="title"/>
-          </p:nvPr>
+          <p:cNvPr id="5" name="object 5"/>
+          <p:cNvSpPr txBox="1"/>
+          <p:nvPr/>
         </p:nvSpPr>
         <p:spPr>
           <a:xfrm>
-            <a:off x="6997700" y="1905000"/>
-            <a:ext cx="2930525" cy="2087880"/>
+            <a:off x="6997700" y="2362200"/>
+            <a:ext cx="6430010" cy="6865620"/>
           </a:xfrm>
           <a:prstGeom prst="rect">
             <a:avLst/>
@@ -2639,6 +2757,349 @@
               </a:spcBef>
             </a:pPr>
             <a:r>
+              <a:rPr sz="3200" spc="-30" dirty="0">
+                <a:latin typeface="Verdana" panose="020B0604030504040204"/>
+                <a:cs typeface="Verdana" panose="020B0604030504040204"/>
+              </a:rPr>
+              <a:t>Tables</a:t>
+            </a:r>
+            <a:r>
+              <a:rPr sz="3200" spc="-175" dirty="0">
+                <a:latin typeface="Verdana" panose="020B0604030504040204"/>
+                <a:cs typeface="Verdana" panose="020B0604030504040204"/>
+              </a:rPr>
+              <a:t> </a:t>
+            </a:r>
+            <a:r>
+              <a:rPr sz="3200" spc="210" dirty="0">
+                <a:latin typeface="Verdana" panose="020B0604030504040204"/>
+                <a:cs typeface="Verdana" panose="020B0604030504040204"/>
+              </a:rPr>
+              <a:t>/</a:t>
+            </a:r>
+            <a:r>
+              <a:rPr sz="3200" spc="-170" dirty="0">
+                <a:latin typeface="Verdana" panose="020B0604030504040204"/>
+                <a:cs typeface="Verdana" panose="020B0604030504040204"/>
+              </a:rPr>
+              <a:t> </a:t>
+            </a:r>
+            <a:r>
+              <a:rPr sz="3200" spc="35" dirty="0">
+                <a:latin typeface="Verdana" panose="020B0604030504040204"/>
+                <a:cs typeface="Verdana" panose="020B0604030504040204"/>
+              </a:rPr>
+              <a:t>Nested</a:t>
+            </a:r>
+            <a:r>
+              <a:rPr sz="3200" spc="-175" dirty="0">
+                <a:latin typeface="Verdana" panose="020B0604030504040204"/>
+                <a:cs typeface="Verdana" panose="020B0604030504040204"/>
+              </a:rPr>
+              <a:t> </a:t>
+            </a:r>
+            <a:r>
+              <a:rPr sz="3200" spc="-30" dirty="0">
+                <a:latin typeface="Verdana" panose="020B0604030504040204"/>
+                <a:cs typeface="Verdana" panose="020B0604030504040204"/>
+              </a:rPr>
+              <a:t>Tables</a:t>
+            </a:r>
+            <a:endParaRPr sz="3200">
+              <a:latin typeface="Verdana" panose="020B0604030504040204"/>
+              <a:cs typeface="Verdana" panose="020B0604030504040204"/>
+            </a:endParaRPr>
+          </a:p>
+          <a:p>
+            <a:pPr marL="12700">
+              <a:lnSpc>
+                <a:spcPct val="100000"/>
+              </a:lnSpc>
+              <a:spcBef>
+                <a:spcPts val="2360"/>
+              </a:spcBef>
+            </a:pPr>
+            <a:r>
+              <a:rPr sz="3200" spc="50" dirty="0">
+                <a:latin typeface="Verdana" panose="020B0604030504040204"/>
+                <a:cs typeface="Verdana" panose="020B0604030504040204"/>
+              </a:rPr>
+              <a:t>XPath</a:t>
+            </a:r>
+            <a:endParaRPr sz="3200">
+              <a:latin typeface="Verdana" panose="020B0604030504040204"/>
+              <a:cs typeface="Verdana" panose="020B0604030504040204"/>
+            </a:endParaRPr>
+          </a:p>
+          <a:p>
+            <a:pPr marL="12700">
+              <a:lnSpc>
+                <a:spcPct val="100000"/>
+              </a:lnSpc>
+              <a:spcBef>
+                <a:spcPts val="2360"/>
+              </a:spcBef>
+            </a:pPr>
+            <a:r>
+              <a:rPr sz="3200" spc="65" dirty="0">
+                <a:latin typeface="Verdana" panose="020B0604030504040204"/>
+                <a:cs typeface="Verdana" panose="020B0604030504040204"/>
+              </a:rPr>
+              <a:t>Explicit</a:t>
+            </a:r>
+            <a:r>
+              <a:rPr sz="3200" spc="-170" dirty="0">
+                <a:latin typeface="Verdana" panose="020B0604030504040204"/>
+                <a:cs typeface="Verdana" panose="020B0604030504040204"/>
+              </a:rPr>
+              <a:t> </a:t>
+            </a:r>
+            <a:r>
+              <a:rPr sz="3200" spc="30" dirty="0">
+                <a:latin typeface="Verdana" panose="020B0604030504040204"/>
+                <a:cs typeface="Verdana" panose="020B0604030504040204"/>
+              </a:rPr>
+              <a:t>Waits</a:t>
+            </a:r>
+            <a:r>
+              <a:rPr sz="3200" spc="-170" dirty="0">
+                <a:latin typeface="Verdana" panose="020B0604030504040204"/>
+                <a:cs typeface="Verdana" panose="020B0604030504040204"/>
+              </a:rPr>
+              <a:t> </a:t>
+            </a:r>
+            <a:r>
+              <a:rPr sz="3200" spc="-5" dirty="0">
+                <a:latin typeface="Verdana" panose="020B0604030504040204"/>
+                <a:cs typeface="Verdana" panose="020B0604030504040204"/>
+              </a:rPr>
+              <a:t>VS</a:t>
+            </a:r>
+            <a:r>
+              <a:rPr sz="3200" spc="-170" dirty="0">
+                <a:latin typeface="Verdana" panose="020B0604030504040204"/>
+                <a:cs typeface="Verdana" panose="020B0604030504040204"/>
+              </a:rPr>
+              <a:t> </a:t>
+            </a:r>
+            <a:r>
+              <a:rPr sz="3200" spc="5" dirty="0">
+                <a:latin typeface="Verdana" panose="020B0604030504040204"/>
+                <a:cs typeface="Verdana" panose="020B0604030504040204"/>
+              </a:rPr>
+              <a:t>Implicit</a:t>
+            </a:r>
+            <a:r>
+              <a:rPr sz="3200" spc="-165" dirty="0">
+                <a:latin typeface="Verdana" panose="020B0604030504040204"/>
+                <a:cs typeface="Verdana" panose="020B0604030504040204"/>
+              </a:rPr>
+              <a:t> </a:t>
+            </a:r>
+            <a:r>
+              <a:rPr sz="3200" spc="30" dirty="0">
+                <a:latin typeface="Verdana" panose="020B0604030504040204"/>
+                <a:cs typeface="Verdana" panose="020B0604030504040204"/>
+              </a:rPr>
+              <a:t>Waits</a:t>
+            </a:r>
+            <a:endParaRPr sz="3200" spc="30" dirty="0">
+              <a:latin typeface="Verdana" panose="020B0604030504040204"/>
+              <a:cs typeface="Verdana" panose="020B0604030504040204"/>
+            </a:endParaRPr>
+          </a:p>
+          <a:p>
+            <a:pPr marL="12700">
+              <a:lnSpc>
+                <a:spcPct val="100000"/>
+              </a:lnSpc>
+              <a:spcBef>
+                <a:spcPts val="2360"/>
+              </a:spcBef>
+            </a:pPr>
+            <a:r>
+              <a:rPr lang="en-US" sz="3200" spc="30" dirty="0">
+                <a:latin typeface="Verdana" panose="020B0604030504040204"/>
+                <a:cs typeface="Verdana" panose="020B0604030504040204"/>
+              </a:rPr>
+              <a:t>IFrames</a:t>
+            </a:r>
+            <a:endParaRPr lang="en-US" sz="3200" spc="30" dirty="0">
+              <a:latin typeface="Verdana" panose="020B0604030504040204"/>
+              <a:cs typeface="Verdana" panose="020B0604030504040204"/>
+            </a:endParaRPr>
+          </a:p>
+          <a:p>
+            <a:pPr marL="12700">
+              <a:lnSpc>
+                <a:spcPct val="100000"/>
+              </a:lnSpc>
+              <a:spcBef>
+                <a:spcPts val="2360"/>
+              </a:spcBef>
+            </a:pPr>
+            <a:r>
+              <a:rPr sz="3200" spc="30" dirty="0">
+                <a:latin typeface="Verdana" panose="020B0604030504040204"/>
+                <a:cs typeface="Verdana" panose="020B0604030504040204"/>
+              </a:rPr>
+              <a:t>PopUps	</a:t>
+            </a:r>
+            <a:endParaRPr sz="3200" spc="30" dirty="0">
+              <a:latin typeface="Verdana" panose="020B0604030504040204"/>
+              <a:cs typeface="Verdana" panose="020B0604030504040204"/>
+            </a:endParaRPr>
+          </a:p>
+          <a:p>
+            <a:pPr marL="12700">
+              <a:lnSpc>
+                <a:spcPct val="100000"/>
+              </a:lnSpc>
+              <a:spcBef>
+                <a:spcPts val="2360"/>
+              </a:spcBef>
+            </a:pPr>
+            <a:r>
+              <a:rPr sz="3200" spc="30" dirty="0">
+                <a:latin typeface="Verdana" panose="020B0604030504040204"/>
+                <a:cs typeface="Verdana" panose="020B0604030504040204"/>
+              </a:rPr>
+              <a:t>Alerts and Key Presses	</a:t>
+            </a:r>
+            <a:endParaRPr sz="3200" spc="30" dirty="0">
+              <a:latin typeface="Verdana" panose="020B0604030504040204"/>
+              <a:cs typeface="Verdana" panose="020B0604030504040204"/>
+            </a:endParaRPr>
+          </a:p>
+          <a:p>
+            <a:pPr marL="12700">
+              <a:lnSpc>
+                <a:spcPct val="100000"/>
+              </a:lnSpc>
+              <a:spcBef>
+                <a:spcPts val="2360"/>
+              </a:spcBef>
+            </a:pPr>
+            <a:r>
+              <a:rPr sz="3200" spc="30" dirty="0">
+                <a:latin typeface="Verdana" panose="020B0604030504040204"/>
+                <a:cs typeface="Verdana" panose="020B0604030504040204"/>
+              </a:rPr>
+              <a:t>Switching windows	</a:t>
+            </a:r>
+            <a:endParaRPr sz="3200" spc="30" dirty="0">
+              <a:latin typeface="Verdana" panose="020B0604030504040204"/>
+              <a:cs typeface="Verdana" panose="020B0604030504040204"/>
+            </a:endParaRPr>
+          </a:p>
+          <a:p>
+            <a:pPr marL="12700">
+              <a:lnSpc>
+                <a:spcPct val="100000"/>
+              </a:lnSpc>
+              <a:spcBef>
+                <a:spcPts val="2360"/>
+              </a:spcBef>
+            </a:pPr>
+            <a:r>
+              <a:rPr sz="3200" spc="30" dirty="0">
+                <a:latin typeface="Verdana" panose="020B0604030504040204"/>
+                <a:cs typeface="Verdana" panose="020B0604030504040204"/>
+              </a:rPr>
+              <a:t>Take Screenshot	</a:t>
+            </a:r>
+            <a:endParaRPr sz="3200" spc="30" dirty="0">
+              <a:latin typeface="Verdana" panose="020B0604030504040204"/>
+              <a:cs typeface="Verdana" panose="020B0604030504040204"/>
+            </a:endParaRPr>
+          </a:p>
+          <a:p>
+            <a:pPr marL="12700">
+              <a:lnSpc>
+                <a:spcPct val="100000"/>
+              </a:lnSpc>
+              <a:spcBef>
+                <a:spcPts val="2360"/>
+              </a:spcBef>
+            </a:pPr>
+            <a:r>
+              <a:rPr sz="3200">
+                <a:latin typeface="Verdana" panose="020B0604030504040204"/>
+                <a:cs typeface="Verdana" panose="020B0604030504040204"/>
+              </a:rPr>
+              <a:t>File Uploads with Auto IT</a:t>
+            </a:r>
+            <a:endParaRPr sz="3200">
+              <a:latin typeface="Verdana" panose="020B0604030504040204"/>
+              <a:cs typeface="Verdana" panose="020B0604030504040204"/>
+            </a:endParaRPr>
+          </a:p>
+        </p:txBody>
+      </p:sp>
+      <p:sp>
+        <p:nvSpPr>
+          <p:cNvPr id="6" name="Slide Number Placeholder 5"/>
+          <p:cNvSpPr>
+            <a:spLocks noGrp="1"/>
+          </p:cNvSpPr>
+          <p:nvPr>
+            <p:ph type="sldNum" sz="quarter" idx="7"/>
+          </p:nvPr>
+        </p:nvSpPr>
+        <p:spPr/>
+        <p:txBody>
+          <a:bodyPr/>
+          <a:p>
+            <a:fld id="{B6F15528-21DE-4FAA-801E-634DDDAF4B2B}" type="slidenum">
+              <a:rPr/>
+            </a:fld>
+            <a:endParaRPr/>
+          </a:p>
+        </p:txBody>
+      </p:sp>
+      <p:sp>
+        <p:nvSpPr>
+          <p:cNvPr id="7" name="object 4"/>
+          <p:cNvSpPr txBox="1">
+            <a:spLocks noGrp="1"/>
+          </p:cNvSpPr>
+          <p:nvPr/>
+        </p:nvSpPr>
+        <p:spPr>
+          <a:xfrm>
+            <a:off x="6997700" y="71120"/>
+            <a:ext cx="2930525" cy="2087880"/>
+          </a:xfrm>
+          <a:prstGeom prst="rect">
+            <a:avLst/>
+          </a:prstGeom>
+        </p:spPr>
+        <p:txBody>
+          <a:bodyPr vert="horz" wrap="square" lIns="0" tIns="12700" rIns="0" bIns="0" rtlCol="0">
+            <a:spAutoFit/>
+          </a:bodyPr>
+          <a:lstStyle>
+            <a:lvl1pPr>
+              <a:defRPr sz="4800" b="0" i="0">
+                <a:solidFill>
+                  <a:srgbClr val="404040"/>
+                </a:solidFill>
+                <a:latin typeface="Verdana" panose="020B0604030504040204"/>
+                <a:ea typeface="+mj-ea"/>
+                <a:cs typeface="Verdana" panose="020B0604030504040204"/>
+              </a:defRPr>
+            </a:lvl1pPr>
+          </a:lstStyle>
+          <a:p>
+            <a:pPr marL="12700">
+              <a:lnSpc>
+                <a:spcPct val="100000"/>
+              </a:lnSpc>
+              <a:spcBef>
+                <a:spcPts val="100"/>
+              </a:spcBef>
+            </a:pPr>
+            <a:r>
               <a:rPr sz="3200" spc="75" dirty="0">
                 <a:solidFill>
                   <a:srgbClr val="000000"/>
@@ -2714,210 +3175,6 @@
               <a:t>Items</a:t>
             </a:r>
             <a:endParaRPr sz="3200"/>
-          </a:p>
-        </p:txBody>
-      </p:sp>
-      <p:sp>
-        <p:nvSpPr>
-          <p:cNvPr id="5" name="object 5"/>
-          <p:cNvSpPr txBox="1"/>
-          <p:nvPr/>
-        </p:nvSpPr>
-        <p:spPr>
-          <a:xfrm>
-            <a:off x="6997700" y="4267200"/>
-            <a:ext cx="6430010" cy="2087880"/>
-          </a:xfrm>
-          <a:prstGeom prst="rect">
-            <a:avLst/>
-          </a:prstGeom>
-        </p:spPr>
-        <p:txBody>
-          <a:bodyPr vert="horz" wrap="square" lIns="0" tIns="12700" rIns="0" bIns="0" rtlCol="0">
-            <a:spAutoFit/>
-          </a:bodyPr>
-          <a:lstStyle/>
-          <a:p>
-            <a:pPr marL="12700">
-              <a:lnSpc>
-                <a:spcPct val="100000"/>
-              </a:lnSpc>
-              <a:spcBef>
-                <a:spcPts val="100"/>
-              </a:spcBef>
-            </a:pPr>
-            <a:r>
-              <a:rPr sz="3200" spc="-30" dirty="0">
-                <a:latin typeface="Verdana" panose="020B0604030504040204"/>
-                <a:cs typeface="Verdana" panose="020B0604030504040204"/>
-              </a:rPr>
-              <a:t>Tables</a:t>
-            </a:r>
-            <a:r>
-              <a:rPr sz="3200" spc="-175" dirty="0">
-                <a:latin typeface="Verdana" panose="020B0604030504040204"/>
-                <a:cs typeface="Verdana" panose="020B0604030504040204"/>
-              </a:rPr>
-              <a:t> </a:t>
-            </a:r>
-            <a:r>
-              <a:rPr sz="3200" spc="210" dirty="0">
-                <a:latin typeface="Verdana" panose="020B0604030504040204"/>
-                <a:cs typeface="Verdana" panose="020B0604030504040204"/>
-              </a:rPr>
-              <a:t>/</a:t>
-            </a:r>
-            <a:r>
-              <a:rPr sz="3200" spc="-170" dirty="0">
-                <a:latin typeface="Verdana" panose="020B0604030504040204"/>
-                <a:cs typeface="Verdana" panose="020B0604030504040204"/>
-              </a:rPr>
-              <a:t> </a:t>
-            </a:r>
-            <a:r>
-              <a:rPr sz="3200" spc="35" dirty="0">
-                <a:latin typeface="Verdana" panose="020B0604030504040204"/>
-                <a:cs typeface="Verdana" panose="020B0604030504040204"/>
-              </a:rPr>
-              <a:t>Nested</a:t>
-            </a:r>
-            <a:r>
-              <a:rPr sz="3200" spc="-175" dirty="0">
-                <a:latin typeface="Verdana" panose="020B0604030504040204"/>
-                <a:cs typeface="Verdana" panose="020B0604030504040204"/>
-              </a:rPr>
-              <a:t> </a:t>
-            </a:r>
-            <a:r>
-              <a:rPr sz="3200" spc="-30" dirty="0">
-                <a:latin typeface="Verdana" panose="020B0604030504040204"/>
-                <a:cs typeface="Verdana" panose="020B0604030504040204"/>
-              </a:rPr>
-              <a:t>Tables</a:t>
-            </a:r>
-            <a:endParaRPr sz="3200">
-              <a:latin typeface="Verdana" panose="020B0604030504040204"/>
-              <a:cs typeface="Verdana" panose="020B0604030504040204"/>
-            </a:endParaRPr>
-          </a:p>
-          <a:p>
-            <a:pPr marL="12700">
-              <a:lnSpc>
-                <a:spcPct val="100000"/>
-              </a:lnSpc>
-              <a:spcBef>
-                <a:spcPts val="2360"/>
-              </a:spcBef>
-            </a:pPr>
-            <a:r>
-              <a:rPr sz="3200" spc="50" dirty="0">
-                <a:latin typeface="Verdana" panose="020B0604030504040204"/>
-                <a:cs typeface="Verdana" panose="020B0604030504040204"/>
-              </a:rPr>
-              <a:t>XPath</a:t>
-            </a:r>
-            <a:endParaRPr sz="3200">
-              <a:latin typeface="Verdana" panose="020B0604030504040204"/>
-              <a:cs typeface="Verdana" panose="020B0604030504040204"/>
-            </a:endParaRPr>
-          </a:p>
-          <a:p>
-            <a:pPr marL="12700">
-              <a:lnSpc>
-                <a:spcPct val="100000"/>
-              </a:lnSpc>
-              <a:spcBef>
-                <a:spcPts val="2360"/>
-              </a:spcBef>
-            </a:pPr>
-            <a:r>
-              <a:rPr sz="3200" spc="65" dirty="0">
-                <a:latin typeface="Verdana" panose="020B0604030504040204"/>
-                <a:cs typeface="Verdana" panose="020B0604030504040204"/>
-              </a:rPr>
-              <a:t>Explicit</a:t>
-            </a:r>
-            <a:r>
-              <a:rPr sz="3200" spc="-170" dirty="0">
-                <a:latin typeface="Verdana" panose="020B0604030504040204"/>
-                <a:cs typeface="Verdana" panose="020B0604030504040204"/>
-              </a:rPr>
-              <a:t> </a:t>
-            </a:r>
-            <a:r>
-              <a:rPr sz="3200" spc="30" dirty="0">
-                <a:latin typeface="Verdana" panose="020B0604030504040204"/>
-                <a:cs typeface="Verdana" panose="020B0604030504040204"/>
-              </a:rPr>
-              <a:t>Waits</a:t>
-            </a:r>
-            <a:r>
-              <a:rPr sz="3200" spc="-170" dirty="0">
-                <a:latin typeface="Verdana" panose="020B0604030504040204"/>
-                <a:cs typeface="Verdana" panose="020B0604030504040204"/>
-              </a:rPr>
-              <a:t> </a:t>
-            </a:r>
-            <a:r>
-              <a:rPr sz="3200" spc="-5" dirty="0">
-                <a:latin typeface="Verdana" panose="020B0604030504040204"/>
-                <a:cs typeface="Verdana" panose="020B0604030504040204"/>
-              </a:rPr>
-              <a:t>VS</a:t>
-            </a:r>
-            <a:r>
-              <a:rPr sz="3200" spc="-170" dirty="0">
-                <a:latin typeface="Verdana" panose="020B0604030504040204"/>
-                <a:cs typeface="Verdana" panose="020B0604030504040204"/>
-              </a:rPr>
-              <a:t> </a:t>
-            </a:r>
-            <a:r>
-              <a:rPr sz="3200" spc="5" dirty="0">
-                <a:latin typeface="Verdana" panose="020B0604030504040204"/>
-                <a:cs typeface="Verdana" panose="020B0604030504040204"/>
-              </a:rPr>
-              <a:t>Implicit</a:t>
-            </a:r>
-            <a:r>
-              <a:rPr sz="3200" spc="-165" dirty="0">
-                <a:latin typeface="Verdana" panose="020B0604030504040204"/>
-                <a:cs typeface="Verdana" panose="020B0604030504040204"/>
-              </a:rPr>
-              <a:t> </a:t>
-            </a:r>
-            <a:r>
-              <a:rPr sz="3200" spc="30" dirty="0">
-                <a:latin typeface="Verdana" panose="020B0604030504040204"/>
-                <a:cs typeface="Verdana" panose="020B0604030504040204"/>
-              </a:rPr>
-              <a:t>Waits</a:t>
-            </a:r>
-            <a:endParaRPr sz="3200">
-              <a:latin typeface="Verdana" panose="020B0604030504040204"/>
-              <a:cs typeface="Verdana" panose="020B0604030504040204"/>
-            </a:endParaRPr>
-          </a:p>
-        </p:txBody>
-      </p:sp>
-      <p:sp>
-        <p:nvSpPr>
-          <p:cNvPr id="6" name="Slide Number Placeholder 5"/>
-          <p:cNvSpPr>
-            <a:spLocks noGrp="1"/>
-          </p:cNvSpPr>
-          <p:nvPr>
-            <p:ph type="sldNum" sz="quarter" idx="7"/>
-          </p:nvPr>
-        </p:nvSpPr>
-        <p:spPr/>
-        <p:txBody>
-          <a:bodyPr/>
-          <a:p>
-            <a:fld id="{B6F15528-21DE-4FAA-801E-634DDDAF4B2B}" type="slidenum">
-              <a:rPr/>
-            </a:fld>
-            <a:endParaRPr/>
           </a:p>
         </p:txBody>
       </p:sp>
